--- a/genes and inequality conference presentation.pptx
+++ b/genes and inequality conference presentation.pptx
@@ -5,28 +5,30 @@
     <p:sldMasterId id="2147483660" r:id="rId1"/>
   </p:sldMasterIdLst>
   <p:notesMasterIdLst>
-    <p:notesMasterId r:id="rId21"/>
+    <p:notesMasterId r:id="rId23"/>
   </p:notesMasterIdLst>
   <p:sldIdLst>
     <p:sldId id="256" r:id="rId2"/>
-    <p:sldId id="281" r:id="rId3"/>
-    <p:sldId id="258" r:id="rId4"/>
-    <p:sldId id="263" r:id="rId5"/>
-    <p:sldId id="264" r:id="rId6"/>
-    <p:sldId id="266" r:id="rId7"/>
-    <p:sldId id="267" r:id="rId8"/>
-    <p:sldId id="269" r:id="rId9"/>
-    <p:sldId id="268" r:id="rId10"/>
-    <p:sldId id="271" r:id="rId11"/>
-    <p:sldId id="270" r:id="rId12"/>
-    <p:sldId id="272" r:id="rId13"/>
-    <p:sldId id="274" r:id="rId14"/>
-    <p:sldId id="275" r:id="rId15"/>
-    <p:sldId id="282" r:id="rId16"/>
-    <p:sldId id="276" r:id="rId17"/>
-    <p:sldId id="277" r:id="rId18"/>
-    <p:sldId id="278" r:id="rId19"/>
-    <p:sldId id="279" r:id="rId20"/>
+    <p:sldId id="280" r:id="rId3"/>
+    <p:sldId id="281" r:id="rId4"/>
+    <p:sldId id="258" r:id="rId5"/>
+    <p:sldId id="263" r:id="rId6"/>
+    <p:sldId id="264" r:id="rId7"/>
+    <p:sldId id="266" r:id="rId8"/>
+    <p:sldId id="267" r:id="rId9"/>
+    <p:sldId id="269" r:id="rId10"/>
+    <p:sldId id="268" r:id="rId11"/>
+    <p:sldId id="271" r:id="rId12"/>
+    <p:sldId id="270" r:id="rId13"/>
+    <p:sldId id="272" r:id="rId14"/>
+    <p:sldId id="274" r:id="rId15"/>
+    <p:sldId id="275" r:id="rId16"/>
+    <p:sldId id="283" r:id="rId17"/>
+    <p:sldId id="282" r:id="rId18"/>
+    <p:sldId id="276" r:id="rId19"/>
+    <p:sldId id="277" r:id="rId20"/>
+    <p:sldId id="278" r:id="rId21"/>
+    <p:sldId id="279" r:id="rId22"/>
   </p:sldIdLst>
   <p:sldSz cx="12192000" cy="6858000"/>
   <p:notesSz cx="6858000" cy="9144000"/>
@@ -555,6 +557,90 @@
     <p:extLst>
       <p:ext uri="{BB962C8B-B14F-4D97-AF65-F5344CB8AC3E}">
         <p14:creationId xmlns:p14="http://schemas.microsoft.com/office/powerpoint/2010/main" val="3582396598"/>
+      </p:ext>
+    </p:extLst>
+  </p:cSld>
+  <p:clrMapOvr>
+    <a:masterClrMapping/>
+  </p:clrMapOvr>
+</p:notes>
+</file>
+
+<file path=ppt/notesSlides/notesSlide2.xml><?xml version="1.0" encoding="utf-8"?>
+<p:notes xmlns:a="http://schemas.openxmlformats.org/drawingml/2006/main" xmlns:r="http://schemas.openxmlformats.org/officeDocument/2006/relationships" xmlns:p="http://schemas.openxmlformats.org/presentationml/2006/main">
+  <p:cSld>
+    <p:spTree>
+      <p:nvGrpSpPr>
+        <p:cNvPr id="1" name=""/>
+        <p:cNvGrpSpPr/>
+        <p:nvPr/>
+      </p:nvGrpSpPr>
+      <p:grpSpPr>
+        <a:xfrm>
+          <a:off x="0" y="0"/>
+          <a:ext cx="0" cy="0"/>
+          <a:chOff x="0" y="0"/>
+          <a:chExt cx="0" cy="0"/>
+        </a:xfrm>
+      </p:grpSpPr>
+      <p:sp>
+        <p:nvSpPr>
+          <p:cNvPr id="2" name="Slide Image Placeholder 1"/>
+          <p:cNvSpPr>
+            <a:spLocks noGrp="1" noRot="1" noChangeAspect="1"/>
+          </p:cNvSpPr>
+          <p:nvPr>
+            <p:ph type="sldImg"/>
+          </p:nvPr>
+        </p:nvSpPr>
+        <p:spPr/>
+      </p:sp>
+      <p:sp>
+        <p:nvSpPr>
+          <p:cNvPr id="3" name="Notes Placeholder 2"/>
+          <p:cNvSpPr>
+            <a:spLocks noGrp="1"/>
+          </p:cNvSpPr>
+          <p:nvPr>
+            <p:ph type="body" idx="1"/>
+          </p:nvPr>
+        </p:nvSpPr>
+        <p:spPr/>
+        <p:txBody>
+          <a:bodyPr/>
+          <a:lstStyle/>
+          <a:p>
+            <a:endParaRPr lang="en-US"/>
+          </a:p>
+        </p:txBody>
+      </p:sp>
+      <p:sp>
+        <p:nvSpPr>
+          <p:cNvPr id="4" name="Slide Number Placeholder 3"/>
+          <p:cNvSpPr>
+            <a:spLocks noGrp="1"/>
+          </p:cNvSpPr>
+          <p:nvPr>
+            <p:ph type="sldNum" sz="quarter" idx="5"/>
+          </p:nvPr>
+        </p:nvSpPr>
+        <p:spPr/>
+        <p:txBody>
+          <a:bodyPr/>
+          <a:lstStyle/>
+          <a:p>
+            <a:fld id="{9EB327D9-8FF0-F749-9187-5DBDAA4310FE}" type="slidenum">
+              <a:rPr lang="en-GB"/>
+              <a:t>2</a:t>
+            </a:fld>
+            <a:endParaRPr lang="en-GB"/>
+          </a:p>
+        </p:txBody>
+      </p:sp>
+    </p:spTree>
+    <p:extLst>
+      <p:ext uri="{BB962C8B-B14F-4D97-AF65-F5344CB8AC3E}">
+        <p14:creationId xmlns:p14="http://schemas.microsoft.com/office/powerpoint/2010/main" val="2203358720"/>
       </p:ext>
     </p:extLst>
   </p:cSld>
@@ -3728,10 +3814,10 @@
       </p:grpSpPr>
       <p:sp>
         <p:nvSpPr>
-          <p:cNvPr id="2" name="Title 1">
+          <p:cNvPr id="3" name="Content Placeholder 2">
             <a:extLst>
               <a:ext uri="{FF2B5EF4-FFF2-40B4-BE49-F238E27FC236}">
-                <a16:creationId xmlns:a16="http://schemas.microsoft.com/office/drawing/2014/main" id="{D7135095-240A-1640-9AAA-A9531886AA06}"/>
+                <a16:creationId xmlns:a16="http://schemas.microsoft.com/office/drawing/2014/main" id="{84BDF347-8AB4-CD43-82C3-FD14B2D10AA8}"/>
               </a:ext>
             </a:extLst>
           </p:cNvPr>
@@ -3739,45 +3825,32 @@
             <a:spLocks noGrp="1"/>
           </p:cNvSpPr>
           <p:nvPr>
-            <p:ph type="title"/>
-          </p:nvPr>
-        </p:nvSpPr>
-        <p:spPr/>
-        <p:txBody>
-          <a:bodyPr/>
+            <p:ph idx="1"/>
+          </p:nvPr>
+        </p:nvSpPr>
+        <p:spPr>
+          <a:xfrm>
+            <a:off x="838200" y="642551"/>
+            <a:ext cx="10515600" cy="5534412"/>
+          </a:xfrm>
+        </p:spPr>
+        <p:txBody>
+          <a:bodyPr>
+            <a:normAutofit fontScale="92500" lnSpcReduction="20000"/>
+          </a:bodyPr>
           <a:lstStyle/>
           <a:p>
             <a:r>
               <a:rPr lang="en-US"/>
-              <a:t>Estimation strategy</a:t>
-            </a:r>
-          </a:p>
-        </p:txBody>
-      </p:sp>
-      <p:sp>
-        <p:nvSpPr>
-          <p:cNvPr id="3" name="Content Placeholder 2">
-            <a:extLst>
-              <a:ext uri="{FF2B5EF4-FFF2-40B4-BE49-F238E27FC236}">
-                <a16:creationId xmlns:a16="http://schemas.microsoft.com/office/drawing/2014/main" id="{A51E1777-8E43-0E46-9CE8-FE69FF1A779F}"/>
-              </a:ext>
-            </a:extLst>
-          </p:cNvPr>
-          <p:cNvSpPr>
-            <a:spLocks noGrp="1"/>
-          </p:cNvSpPr>
-          <p:nvPr>
-            <p:ph idx="1"/>
-          </p:nvPr>
-        </p:nvSpPr>
-        <p:spPr/>
-        <p:txBody>
-          <a:bodyPr/>
-          <a:lstStyle/>
-          <a:p>
+              <a:t>These results could be </a:t>
+            </a:r>
+            <a:r>
+              <a:rPr lang="en-US" b="1"/>
+              <a:t>confounded</a:t>
+            </a:r>
             <a:r>
               <a:rPr lang="en-US"/>
-              <a:t>Hard to justify instrumental variables:</a:t>
+              <a:t> by the individual’s own genetics.</a:t>
             </a:r>
           </a:p>
           <a:p>
@@ -3787,7 +3860,7 @@
             </a:pPr>
             <a:r>
               <a:rPr lang="en-US"/>
-              <a:t>Birth order affects other things than SES.</a:t>
+              <a:t>We already know that there is assortative mating on PSEA (Hugh-Jones et al. 2016).</a:t>
             </a:r>
           </a:p>
           <a:p>
@@ -3795,26 +3868,12 @@
               <a:buFont typeface="Arial" panose="020B0604020202020204" pitchFamily="34" charset="0"/>
               <a:buChar char="•"/>
             </a:pPr>
+            <a:endParaRPr lang="en-US"/>
+          </a:p>
+          <a:p>
             <a:r>
               <a:rPr lang="en-US"/>
-              <a:t>We only have imperfect measures of SES (rough household income, job, educational attainment).</a:t>
-            </a:r>
-          </a:p>
-          <a:p>
-            <a:endParaRPr lang="en-US"/>
-          </a:p>
-          <a:p>
-            <a:r>
-              <a:rPr lang="en-US"/>
-              <a:t>Instead we run a </a:t>
-            </a:r>
-            <a:r>
-              <a:rPr lang="en-US" b="1"/>
-              <a:t>mediation analysis</a:t>
-            </a:r>
-            <a:r>
-              <a:rPr lang="en-US"/>
-              <a:t>:</a:t>
+              <a:t>To avoid this, we need an independent variable which is</a:t>
             </a:r>
           </a:p>
           <a:p>
@@ -3824,7 +3883,7 @@
             </a:pPr>
             <a:r>
               <a:rPr lang="en-US"/>
-              <a:t>Does birth order affect spouse’s PSEA?</a:t>
+              <a:t>independent of genetics;</a:t>
             </a:r>
           </a:p>
           <a:p>
@@ -3834,15 +3893,78 @@
             </a:pPr>
             <a:r>
               <a:rPr lang="en-US"/>
-              <a:t>Is the effect mediated by measures of SES?</a:t>
-            </a:r>
+              <a:t>available for a large enough N.</a:t>
+            </a:r>
+          </a:p>
+          <a:p>
+            <a:pPr marL="457200" indent="-457200">
+              <a:buFont typeface="Arial" panose="020B0604020202020204" pitchFamily="34" charset="0"/>
+              <a:buChar char="•"/>
+            </a:pPr>
+            <a:endParaRPr lang="en-US"/>
+          </a:p>
+          <a:p>
+            <a:r>
+              <a:rPr lang="en-US"/>
+              <a:t>We use</a:t>
+            </a:r>
+            <a:r>
+              <a:rPr lang="en-US" b="1"/>
+              <a:t> birth order</a:t>
+            </a:r>
+            <a:r>
+              <a:rPr lang="en-US"/>
+              <a:t>.</a:t>
+            </a:r>
+          </a:p>
+          <a:p>
+            <a:pPr marL="457200" indent="-457200">
+              <a:buFont typeface="Arial" panose="020B0604020202020204" pitchFamily="34" charset="0"/>
+              <a:buChar char="•"/>
+            </a:pPr>
+            <a:r>
+              <a:rPr lang="en-US"/>
+              <a:t>Siblings have the same expected polygenic scores, by the “lottery of meiosis”. </a:t>
+            </a:r>
+          </a:p>
+          <a:p>
+            <a:pPr marL="457200" indent="-457200">
+              <a:buFont typeface="Arial" panose="020B0604020202020204" pitchFamily="34" charset="0"/>
+              <a:buChar char="•"/>
+            </a:pPr>
+            <a:r>
+              <a:rPr lang="en-US"/>
+              <a:t>Early-born siblings receive more parental care and have better life outcomes including </a:t>
+            </a:r>
+            <a:r>
+              <a:rPr lang="en-US" b="1"/>
+              <a:t>socio-economic status</a:t>
+            </a:r>
+            <a:r>
+              <a:rPr lang="en-US"/>
+              <a:t> (</a:t>
+            </a:r>
+            <a:r>
+              <a:rPr lang="en-US" b="1"/>
+              <a:t>SES</a:t>
+            </a:r>
+            <a:r>
+              <a:rPr lang="en-GB"/>
+              <a:t>: Lindahl 2008; Booth and Kee 2009; Black, Devereux, and Salvanes 2011). </a:t>
+            </a:r>
+          </a:p>
+          <a:p>
+            <a:endParaRPr lang="en-US"/>
+          </a:p>
+          <a:p>
+            <a:endParaRPr lang="en-US"/>
           </a:p>
         </p:txBody>
       </p:sp>
     </p:spTree>
     <p:extLst>
       <p:ext uri="{BB962C8B-B14F-4D97-AF65-F5344CB8AC3E}">
-        <p14:creationId xmlns:p14="http://schemas.microsoft.com/office/powerpoint/2010/main" val="3924092187"/>
+        <p14:creationId xmlns:p14="http://schemas.microsoft.com/office/powerpoint/2010/main" val="1577209623"/>
       </p:ext>
     </p:extLst>
   </p:cSld>
@@ -3874,6 +3996,149 @@
           <p:cNvPr id="2" name="Title 1">
             <a:extLst>
               <a:ext uri="{FF2B5EF4-FFF2-40B4-BE49-F238E27FC236}">
+                <a16:creationId xmlns:a16="http://schemas.microsoft.com/office/drawing/2014/main" id="{D7135095-240A-1640-9AAA-A9531886AA06}"/>
+              </a:ext>
+            </a:extLst>
+          </p:cNvPr>
+          <p:cNvSpPr>
+            <a:spLocks noGrp="1"/>
+          </p:cNvSpPr>
+          <p:nvPr>
+            <p:ph type="title"/>
+          </p:nvPr>
+        </p:nvSpPr>
+        <p:spPr/>
+        <p:txBody>
+          <a:bodyPr/>
+          <a:lstStyle/>
+          <a:p>
+            <a:r>
+              <a:rPr lang="en-US"/>
+              <a:t>Estimation strategy</a:t>
+            </a:r>
+          </a:p>
+        </p:txBody>
+      </p:sp>
+      <p:sp>
+        <p:nvSpPr>
+          <p:cNvPr id="3" name="Content Placeholder 2">
+            <a:extLst>
+              <a:ext uri="{FF2B5EF4-FFF2-40B4-BE49-F238E27FC236}">
+                <a16:creationId xmlns:a16="http://schemas.microsoft.com/office/drawing/2014/main" id="{A51E1777-8E43-0E46-9CE8-FE69FF1A779F}"/>
+              </a:ext>
+            </a:extLst>
+          </p:cNvPr>
+          <p:cNvSpPr>
+            <a:spLocks noGrp="1"/>
+          </p:cNvSpPr>
+          <p:nvPr>
+            <p:ph idx="1"/>
+          </p:nvPr>
+        </p:nvSpPr>
+        <p:spPr/>
+        <p:txBody>
+          <a:bodyPr/>
+          <a:lstStyle/>
+          <a:p>
+            <a:r>
+              <a:rPr lang="en-US"/>
+              <a:t>Hard to justify instrumental variables:</a:t>
+            </a:r>
+          </a:p>
+          <a:p>
+            <a:pPr marL="457200" indent="-457200">
+              <a:buFont typeface="Arial" panose="020B0604020202020204" pitchFamily="34" charset="0"/>
+              <a:buChar char="•"/>
+            </a:pPr>
+            <a:r>
+              <a:rPr lang="en-US"/>
+              <a:t>Birth order affects other things than SES.</a:t>
+            </a:r>
+          </a:p>
+          <a:p>
+            <a:pPr marL="457200" indent="-457200">
+              <a:buFont typeface="Arial" panose="020B0604020202020204" pitchFamily="34" charset="0"/>
+              <a:buChar char="•"/>
+            </a:pPr>
+            <a:r>
+              <a:rPr lang="en-US"/>
+              <a:t>We only have imperfect measures of SES (rough household income, job, educational attainment).</a:t>
+            </a:r>
+          </a:p>
+          <a:p>
+            <a:endParaRPr lang="en-US"/>
+          </a:p>
+          <a:p>
+            <a:r>
+              <a:rPr lang="en-US"/>
+              <a:t>Instead we run a </a:t>
+            </a:r>
+            <a:r>
+              <a:rPr lang="en-US" b="1"/>
+              <a:t>mediation analysis</a:t>
+            </a:r>
+            <a:r>
+              <a:rPr lang="en-US"/>
+              <a:t>:</a:t>
+            </a:r>
+          </a:p>
+          <a:p>
+            <a:pPr marL="457200" indent="-457200">
+              <a:buFont typeface="Arial" panose="020B0604020202020204" pitchFamily="34" charset="0"/>
+              <a:buChar char="•"/>
+            </a:pPr>
+            <a:r>
+              <a:rPr lang="en-US"/>
+              <a:t>Does birth order affect spouse’s PSEA?</a:t>
+            </a:r>
+          </a:p>
+          <a:p>
+            <a:pPr marL="457200" indent="-457200">
+              <a:buFont typeface="Arial" panose="020B0604020202020204" pitchFamily="34" charset="0"/>
+              <a:buChar char="•"/>
+            </a:pPr>
+            <a:r>
+              <a:rPr lang="en-US"/>
+              <a:t>Is the effect mediated by measures of SES?</a:t>
+            </a:r>
+          </a:p>
+        </p:txBody>
+      </p:sp>
+    </p:spTree>
+    <p:extLst>
+      <p:ext uri="{BB962C8B-B14F-4D97-AF65-F5344CB8AC3E}">
+        <p14:creationId xmlns:p14="http://schemas.microsoft.com/office/powerpoint/2010/main" val="3924092187"/>
+      </p:ext>
+    </p:extLst>
+  </p:cSld>
+  <p:clrMapOvr>
+    <a:masterClrMapping/>
+  </p:clrMapOvr>
+</p:sld>
+</file>
+
+<file path=ppt/slides/slide12.xml><?xml version="1.0" encoding="utf-8"?>
+<p:sld xmlns:a="http://schemas.openxmlformats.org/drawingml/2006/main" xmlns:r="http://schemas.openxmlformats.org/officeDocument/2006/relationships" xmlns:p="http://schemas.openxmlformats.org/presentationml/2006/main">
+  <p:cSld>
+    <p:spTree>
+      <p:nvGrpSpPr>
+        <p:cNvPr id="1" name=""/>
+        <p:cNvGrpSpPr/>
+        <p:nvPr/>
+      </p:nvGrpSpPr>
+      <p:grpSpPr>
+        <a:xfrm>
+          <a:off x="0" y="0"/>
+          <a:ext cx="0" cy="0"/>
+          <a:chOff x="0" y="0"/>
+          <a:chExt cx="0" cy="0"/>
+        </a:xfrm>
+      </p:grpSpPr>
+      <p:sp>
+        <p:nvSpPr>
+          <p:cNvPr id="2" name="Title 1">
+            <a:extLst>
+              <a:ext uri="{FF2B5EF4-FFF2-40B4-BE49-F238E27FC236}">
                 <a16:creationId xmlns:a16="http://schemas.microsoft.com/office/drawing/2014/main" id="{DC65CD4B-5CAA-3540-AD8B-8CABA011E09B}"/>
               </a:ext>
             </a:extLst>
@@ -4011,7 +4276,7 @@
 </p:sld>
 </file>
 
-<file path=ppt/slides/slide12.xml><?xml version="1.0" encoding="utf-8"?>
+<file path=ppt/slides/slide13.xml><?xml version="1.0" encoding="utf-8"?>
 <p:sld xmlns:a="http://schemas.openxmlformats.org/drawingml/2006/main" xmlns:r="http://schemas.openxmlformats.org/officeDocument/2006/relationships" xmlns:p="http://schemas.openxmlformats.org/presentationml/2006/main">
   <p:cSld>
     <p:spTree>
@@ -4121,7 +4386,7 @@
 </p:sld>
 </file>
 
-<file path=ppt/slides/slide13.xml><?xml version="1.0" encoding="utf-8"?>
+<file path=ppt/slides/slide14.xml><?xml version="1.0" encoding="utf-8"?>
 <p:sld xmlns:a="http://schemas.openxmlformats.org/drawingml/2006/main" xmlns:r="http://schemas.openxmlformats.org/officeDocument/2006/relationships" xmlns:p="http://schemas.openxmlformats.org/presentationml/2006/main">
   <p:cSld>
     <p:spTree>
@@ -4205,7 +4470,7 @@
 </p:sld>
 </file>
 
-<file path=ppt/slides/slide14.xml><?xml version="1.0" encoding="utf-8"?>
+<file path=ppt/slides/slide15.xml><?xml version="1.0" encoding="utf-8"?>
 <p:sld xmlns:a="http://schemas.openxmlformats.org/drawingml/2006/main" xmlns:r="http://schemas.openxmlformats.org/officeDocument/2006/relationships" xmlns:p="http://schemas.openxmlformats.org/presentationml/2006/main">
   <p:cSld>
     <p:spTree>
@@ -4677,7 +4942,362 @@
 </p:sld>
 </file>
 
-<file path=ppt/slides/slide15.xml><?xml version="1.0" encoding="utf-8"?>
+<file path=ppt/slides/slide16.xml><?xml version="1.0" encoding="utf-8"?>
+<p:sld xmlns:a="http://schemas.openxmlformats.org/drawingml/2006/main" xmlns:r="http://schemas.openxmlformats.org/officeDocument/2006/relationships" xmlns:p="http://schemas.openxmlformats.org/presentationml/2006/main">
+  <p:cSld>
+    <p:spTree>
+      <p:nvGrpSpPr>
+        <p:cNvPr id="1" name=""/>
+        <p:cNvGrpSpPr/>
+        <p:nvPr/>
+      </p:nvGrpSpPr>
+      <p:grpSpPr>
+        <a:xfrm>
+          <a:off x="0" y="0"/>
+          <a:ext cx="0" cy="0"/>
+          <a:chOff x="0" y="0"/>
+          <a:chExt cx="0" cy="0"/>
+        </a:xfrm>
+      </p:grpSpPr>
+      <p:sp>
+        <p:nvSpPr>
+          <p:cNvPr id="5" name="Left Brace 4">
+            <a:extLst>
+              <a:ext uri="{FF2B5EF4-FFF2-40B4-BE49-F238E27FC236}">
+                <a16:creationId xmlns:a16="http://schemas.microsoft.com/office/drawing/2014/main" id="{F61F4575-9793-9440-9CAB-B39CBE3AB2B4}"/>
+              </a:ext>
+            </a:extLst>
+          </p:cNvPr>
+          <p:cNvSpPr/>
+          <p:nvPr/>
+        </p:nvSpPr>
+        <p:spPr>
+          <a:xfrm>
+            <a:off x="2075935" y="2302933"/>
+            <a:ext cx="481914" cy="1997218"/>
+          </a:xfrm>
+          <a:prstGeom prst="leftBrace">
+            <a:avLst>
+              <a:gd name="adj1" fmla="val 75000"/>
+              <a:gd name="adj2" fmla="val 50000"/>
+            </a:avLst>
+          </a:prstGeom>
+          <a:ln w="38100"/>
+        </p:spPr>
+        <p:style>
+          <a:lnRef idx="3">
+            <a:schemeClr val="accent4"/>
+          </a:lnRef>
+          <a:fillRef idx="0">
+            <a:schemeClr val="accent4"/>
+          </a:fillRef>
+          <a:effectRef idx="2">
+            <a:schemeClr val="accent4"/>
+          </a:effectRef>
+          <a:fontRef idx="minor">
+            <a:schemeClr val="tx1"/>
+          </a:fontRef>
+        </p:style>
+        <p:txBody>
+          <a:bodyPr rtlCol="0" anchor="ctr"/>
+          <a:lstStyle/>
+          <a:p>
+            <a:pPr algn="ctr"/>
+            <a:endParaRPr lang="en-US"/>
+          </a:p>
+        </p:txBody>
+      </p:sp>
+      <p:sp>
+        <p:nvSpPr>
+          <p:cNvPr id="6" name="TextBox 5">
+            <a:extLst>
+              <a:ext uri="{FF2B5EF4-FFF2-40B4-BE49-F238E27FC236}">
+                <a16:creationId xmlns:a16="http://schemas.microsoft.com/office/drawing/2014/main" id="{801E9780-086D-7A4B-AD74-42F524765C82}"/>
+              </a:ext>
+            </a:extLst>
+          </p:cNvPr>
+          <p:cNvSpPr txBox="1"/>
+          <p:nvPr/>
+        </p:nvSpPr>
+        <p:spPr>
+          <a:xfrm>
+            <a:off x="899106" y="1544594"/>
+            <a:ext cx="1193699" cy="369332"/>
+          </a:xfrm>
+          <a:prstGeom prst="rect">
+            <a:avLst/>
+          </a:prstGeom>
+          <a:noFill/>
+        </p:spPr>
+        <p:txBody>
+          <a:bodyPr wrap="square" rtlCol="0">
+            <a:spAutoFit/>
+          </a:bodyPr>
+          <a:lstStyle/>
+          <a:p>
+            <a:r>
+              <a:rPr lang="en-US"/>
+              <a:t>Mediators</a:t>
+            </a:r>
+          </a:p>
+        </p:txBody>
+      </p:sp>
+      <p:sp>
+        <p:nvSpPr>
+          <p:cNvPr id="7" name="TextBox 6">
+            <a:extLst>
+              <a:ext uri="{FF2B5EF4-FFF2-40B4-BE49-F238E27FC236}">
+                <a16:creationId xmlns:a16="http://schemas.microsoft.com/office/drawing/2014/main" id="{09DFE553-39DF-DA48-AC68-F42E9CDF6339}"/>
+              </a:ext>
+            </a:extLst>
+          </p:cNvPr>
+          <p:cNvSpPr txBox="1"/>
+          <p:nvPr/>
+        </p:nvSpPr>
+        <p:spPr>
+          <a:xfrm>
+            <a:off x="1003351" y="3182550"/>
+            <a:ext cx="1089454" cy="369332"/>
+          </a:xfrm>
+          <a:prstGeom prst="rect">
+            <a:avLst/>
+          </a:prstGeom>
+          <a:noFill/>
+        </p:spPr>
+        <p:txBody>
+          <a:bodyPr wrap="square" rtlCol="0">
+            <a:spAutoFit/>
+          </a:bodyPr>
+          <a:lstStyle/>
+          <a:p>
+            <a:r>
+              <a:rPr lang="en-US"/>
+              <a:t>Controls</a:t>
+            </a:r>
+          </a:p>
+        </p:txBody>
+      </p:sp>
+      <p:sp>
+        <p:nvSpPr>
+          <p:cNvPr id="8" name="Left Brace 7">
+            <a:extLst>
+              <a:ext uri="{FF2B5EF4-FFF2-40B4-BE49-F238E27FC236}">
+                <a16:creationId xmlns:a16="http://schemas.microsoft.com/office/drawing/2014/main" id="{738CC328-ED76-2640-9775-FE6ABA669881}"/>
+              </a:ext>
+            </a:extLst>
+          </p:cNvPr>
+          <p:cNvSpPr/>
+          <p:nvPr/>
+        </p:nvSpPr>
+        <p:spPr>
+          <a:xfrm>
+            <a:off x="2115459" y="1322173"/>
+            <a:ext cx="442390" cy="814174"/>
+          </a:xfrm>
+          <a:prstGeom prst="leftBrace">
+            <a:avLst>
+              <a:gd name="adj1" fmla="val 75000"/>
+              <a:gd name="adj2" fmla="val 50000"/>
+            </a:avLst>
+          </a:prstGeom>
+          <a:ln w="38100">
+            <a:solidFill>
+              <a:srgbClr val="FF0000"/>
+            </a:solidFill>
+          </a:ln>
+        </p:spPr>
+        <p:style>
+          <a:lnRef idx="3">
+            <a:schemeClr val="accent4"/>
+          </a:lnRef>
+          <a:fillRef idx="0">
+            <a:schemeClr val="accent4"/>
+          </a:fillRef>
+          <a:effectRef idx="2">
+            <a:schemeClr val="accent4"/>
+          </a:effectRef>
+          <a:fontRef idx="minor">
+            <a:schemeClr val="tx1"/>
+          </a:fontRef>
+        </p:style>
+        <p:txBody>
+          <a:bodyPr rtlCol="0" anchor="ctr"/>
+          <a:lstStyle/>
+          <a:p>
+            <a:pPr algn="ctr"/>
+            <a:endParaRPr lang="en-US"/>
+          </a:p>
+        </p:txBody>
+      </p:sp>
+      <p:pic>
+        <p:nvPicPr>
+          <p:cNvPr id="3" name="Picture 2">
+            <a:extLst>
+              <a:ext uri="{FF2B5EF4-FFF2-40B4-BE49-F238E27FC236}">
+                <a16:creationId xmlns:a16="http://schemas.microsoft.com/office/drawing/2014/main" id="{1DCBFB4D-DE43-4546-90C7-F516E64E3CD3}"/>
+              </a:ext>
+            </a:extLst>
+          </p:cNvPr>
+          <p:cNvPicPr>
+            <a:picLocks noChangeAspect="1"/>
+          </p:cNvPicPr>
+          <p:nvPr/>
+        </p:nvPicPr>
+        <p:blipFill>
+          <a:blip r:embed="rId2"/>
+          <a:stretch>
+            <a:fillRect/>
+          </a:stretch>
+        </p:blipFill>
+        <p:spPr>
+          <a:xfrm>
+            <a:off x="2717216" y="0"/>
+            <a:ext cx="7141957" cy="6858000"/>
+          </a:xfrm>
+          <a:prstGeom prst="rect">
+            <a:avLst/>
+          </a:prstGeom>
+        </p:spPr>
+      </p:pic>
+    </p:spTree>
+    <p:extLst>
+      <p:ext uri="{BB962C8B-B14F-4D97-AF65-F5344CB8AC3E}">
+        <p14:creationId xmlns:p14="http://schemas.microsoft.com/office/powerpoint/2010/main" val="464732433"/>
+      </p:ext>
+    </p:extLst>
+  </p:cSld>
+  <p:clrMapOvr>
+    <a:masterClrMapping/>
+  </p:clrMapOvr>
+  <p:timing>
+    <p:tnLst>
+      <p:par>
+        <p:cTn id="1" dur="indefinite" restart="never" nodeType="tmRoot">
+          <p:childTnLst>
+            <p:seq concurrent="1" nextAc="seek">
+              <p:cTn id="2" dur="indefinite" nodeType="mainSeq">
+                <p:childTnLst>
+                  <p:par>
+                    <p:cTn id="3" fill="hold">
+                      <p:stCondLst>
+                        <p:cond delay="indefinite"/>
+                        <p:cond evt="onBegin" delay="0">
+                          <p:tn val="2"/>
+                        </p:cond>
+                      </p:stCondLst>
+                      <p:childTnLst>
+                        <p:par>
+                          <p:cTn id="4" fill="hold">
+                            <p:stCondLst>
+                              <p:cond delay="0"/>
+                            </p:stCondLst>
+                            <p:childTnLst>
+                              <p:par>
+                                <p:cTn id="5" presetID="9" presetClass="entr" presetSubtype="0" fill="hold" grpId="0" nodeType="withEffect">
+                                  <p:stCondLst>
+                                    <p:cond delay="0"/>
+                                  </p:stCondLst>
+                                  <p:childTnLst>
+                                    <p:set>
+                                      <p:cBhvr>
+                                        <p:cTn id="6" dur="1" fill="hold">
+                                          <p:stCondLst>
+                                            <p:cond delay="0"/>
+                                          </p:stCondLst>
+                                        </p:cTn>
+                                        <p:tgtEl>
+                                          <p:spTgt spid="8"/>
+                                        </p:tgtEl>
+                                        <p:attrNameLst>
+                                          <p:attrName>style.visibility</p:attrName>
+                                        </p:attrNameLst>
+                                      </p:cBhvr>
+                                      <p:to>
+                                        <p:strVal val="visible"/>
+                                      </p:to>
+                                    </p:set>
+                                    <p:animEffect transition="in" filter="dissolve">
+                                      <p:cBhvr>
+                                        <p:cTn id="7" dur="500"/>
+                                        <p:tgtEl>
+                                          <p:spTgt spid="8"/>
+                                        </p:tgtEl>
+                                      </p:cBhvr>
+                                    </p:animEffect>
+                                  </p:childTnLst>
+                                </p:cTn>
+                              </p:par>
+                              <p:par>
+                                <p:cTn id="8" presetID="9" presetClass="entr" presetSubtype="0" fill="hold" grpId="0" nodeType="withEffect">
+                                  <p:stCondLst>
+                                    <p:cond delay="0"/>
+                                  </p:stCondLst>
+                                  <p:childTnLst>
+                                    <p:set>
+                                      <p:cBhvr>
+                                        <p:cTn id="9" dur="1" fill="hold">
+                                          <p:stCondLst>
+                                            <p:cond delay="0"/>
+                                          </p:stCondLst>
+                                        </p:cTn>
+                                        <p:tgtEl>
+                                          <p:spTgt spid="6"/>
+                                        </p:tgtEl>
+                                        <p:attrNameLst>
+                                          <p:attrName>style.visibility</p:attrName>
+                                        </p:attrNameLst>
+                                      </p:cBhvr>
+                                      <p:to>
+                                        <p:strVal val="visible"/>
+                                      </p:to>
+                                    </p:set>
+                                    <p:animEffect transition="in" filter="dissolve">
+                                      <p:cBhvr>
+                                        <p:cTn id="10" dur="500"/>
+                                        <p:tgtEl>
+                                          <p:spTgt spid="6"/>
+                                        </p:tgtEl>
+                                      </p:cBhvr>
+                                    </p:animEffect>
+                                  </p:childTnLst>
+                                </p:cTn>
+                              </p:par>
+                            </p:childTnLst>
+                          </p:cTn>
+                        </p:par>
+                      </p:childTnLst>
+                    </p:cTn>
+                  </p:par>
+                </p:childTnLst>
+              </p:cTn>
+              <p:prevCondLst>
+                <p:cond evt="onPrev" delay="0">
+                  <p:tgtEl>
+                    <p:sldTgt/>
+                  </p:tgtEl>
+                </p:cond>
+              </p:prevCondLst>
+              <p:nextCondLst>
+                <p:cond evt="onNext" delay="0">
+                  <p:tgtEl>
+                    <p:sldTgt/>
+                  </p:tgtEl>
+                </p:cond>
+              </p:nextCondLst>
+            </p:seq>
+          </p:childTnLst>
+        </p:cTn>
+      </p:par>
+    </p:tnLst>
+    <p:bldLst>
+      <p:bldP spid="6" grpId="0"/>
+      <p:bldP spid="8" grpId="0" animBg="1"/>
+    </p:bldLst>
+  </p:timing>
+</p:sld>
+</file>
+
+<file path=ppt/slides/slide17.xml><?xml version="1.0" encoding="utf-8"?>
 <p:sld xmlns:a="http://schemas.openxmlformats.org/drawingml/2006/main" xmlns:r="http://schemas.openxmlformats.org/officeDocument/2006/relationships" xmlns:p="http://schemas.openxmlformats.org/presentationml/2006/main">
   <p:cSld>
     <p:spTree>
@@ -4787,7 +5407,7 @@
 </p:sld>
 </file>
 
-<file path=ppt/slides/slide16.xml><?xml version="1.0" encoding="utf-8"?>
+<file path=ppt/slides/slide18.xml><?xml version="1.0" encoding="utf-8"?>
 <p:sld xmlns:a="http://schemas.openxmlformats.org/drawingml/2006/main" xmlns:r="http://schemas.openxmlformats.org/officeDocument/2006/relationships" xmlns:p="http://schemas.openxmlformats.org/presentationml/2006/main">
   <p:cSld>
     <p:spTree>
@@ -4897,7 +5517,7 @@
 </p:sld>
 </file>
 
-<file path=ppt/slides/slide17.xml><?xml version="1.0" encoding="utf-8"?>
+<file path=ppt/slides/slide19.xml><?xml version="1.0" encoding="utf-8"?>
 <p:sld xmlns:a="http://schemas.openxmlformats.org/drawingml/2006/main" xmlns:r="http://schemas.openxmlformats.org/officeDocument/2006/relationships" xmlns:p="http://schemas.openxmlformats.org/presentationml/2006/main">
   <p:cSld>
     <p:spTree>
@@ -5016,7 +5636,7 @@
 </p:sld>
 </file>
 
-<file path=ppt/slides/slide18.xml><?xml version="1.0" encoding="utf-8"?>
+<file path=ppt/slides/slide2.xml><?xml version="1.0" encoding="utf-8"?>
 <p:sld xmlns:a="http://schemas.openxmlformats.org/drawingml/2006/main" xmlns:r="http://schemas.openxmlformats.org/officeDocument/2006/relationships" xmlns:p="http://schemas.openxmlformats.org/presentationml/2006/main">
   <p:cSld>
     <p:spTree>
@@ -5038,6 +5658,156 @@
           <p:cNvPr id="2" name="Title 1">
             <a:extLst>
               <a:ext uri="{FF2B5EF4-FFF2-40B4-BE49-F238E27FC236}">
+                <a16:creationId xmlns:a16="http://schemas.microsoft.com/office/drawing/2014/main" id="{50182F33-7F8D-C64C-AD38-F458A33CC326}"/>
+              </a:ext>
+            </a:extLst>
+          </p:cNvPr>
+          <p:cNvSpPr>
+            <a:spLocks noGrp="1"/>
+          </p:cNvSpPr>
+          <p:nvPr>
+            <p:ph type="title"/>
+          </p:nvPr>
+        </p:nvSpPr>
+        <p:spPr/>
+        <p:txBody>
+          <a:bodyPr/>
+          <a:lstStyle/>
+          <a:p>
+            <a:endParaRPr lang="en-US"/>
+          </a:p>
+        </p:txBody>
+      </p:sp>
+      <p:sp>
+        <p:nvSpPr>
+          <p:cNvPr id="3" name="Content Placeholder 2">
+            <a:extLst>
+              <a:ext uri="{FF2B5EF4-FFF2-40B4-BE49-F238E27FC236}">
+                <a16:creationId xmlns:a16="http://schemas.microsoft.com/office/drawing/2014/main" id="{2C4406B3-6F2D-0949-8DA5-08C091265E5E}"/>
+              </a:ext>
+            </a:extLst>
+          </p:cNvPr>
+          <p:cNvSpPr>
+            <a:spLocks noGrp="1"/>
+          </p:cNvSpPr>
+          <p:nvPr>
+            <p:ph idx="1"/>
+          </p:nvPr>
+        </p:nvSpPr>
+        <p:spPr/>
+        <p:txBody>
+          <a:bodyPr>
+            <a:normAutofit lnSpcReduction="10000"/>
+          </a:bodyPr>
+          <a:lstStyle/>
+          <a:p>
+            <a:r>
+              <a:rPr lang="en-US"/>
+              <a:t>Basic thesis of modern behavioural genetics:</a:t>
+            </a:r>
+          </a:p>
+          <a:p>
+            <a:r>
+              <a:rPr lang="en-US" b="1"/>
+              <a:t>Genetic data explains social outcomes.</a:t>
+            </a:r>
+          </a:p>
+          <a:p>
+            <a:pPr marL="457200" indent="-457200">
+              <a:buFont typeface="Arial" panose="020B0604020202020204" pitchFamily="34" charset="0"/>
+              <a:buChar char="•"/>
+            </a:pPr>
+            <a:r>
+              <a:rPr lang="en-US"/>
+              <a:t>What’s a social scientist to do?</a:t>
+            </a:r>
+          </a:p>
+          <a:p>
+            <a:endParaRPr lang="en-US"/>
+          </a:p>
+          <a:p>
+            <a:r>
+              <a:rPr lang="en-US"/>
+              <a:t>One answer: find out where the genes come from.</a:t>
+            </a:r>
+          </a:p>
+          <a:p>
+            <a:pPr marL="457200" indent="-457200">
+              <a:buFont typeface="Arial" panose="020B0604020202020204" pitchFamily="34" charset="0"/>
+              <a:buChar char="•"/>
+            </a:pPr>
+            <a:r>
+              <a:rPr lang="en-US"/>
+              <a:t>Genetic assortative mating (Hugh-Jones et al. 2016).</a:t>
+            </a:r>
+          </a:p>
+          <a:p>
+            <a:pPr marL="457200" indent="-457200">
+              <a:buFont typeface="Arial" panose="020B0604020202020204" pitchFamily="34" charset="0"/>
+              <a:buChar char="•"/>
+            </a:pPr>
+            <a:r>
+              <a:rPr lang="en-US"/>
+              <a:t>Geographic sorting (Abdellaoui et al. 2019).</a:t>
+            </a:r>
+          </a:p>
+          <a:p>
+            <a:pPr marL="457200" indent="-457200">
+              <a:buFont typeface="Arial" panose="020B0604020202020204" pitchFamily="34" charset="0"/>
+              <a:buChar char="•"/>
+            </a:pPr>
+            <a:r>
+              <a:rPr lang="en-US"/>
+              <a:t>Natural selection (Hugh-Jones and Abdellaoui 2021, working paper).</a:t>
+            </a:r>
+          </a:p>
+          <a:p>
+            <a:pPr marL="457200" indent="-457200">
+              <a:buFont typeface="Arial" panose="020B0604020202020204" pitchFamily="34" charset="0"/>
+              <a:buChar char="•"/>
+            </a:pPr>
+            <a:r>
+              <a:rPr lang="en-US"/>
+              <a:t>This paper.</a:t>
+            </a:r>
+          </a:p>
+        </p:txBody>
+      </p:sp>
+    </p:spTree>
+    <p:extLst>
+      <p:ext uri="{BB962C8B-B14F-4D97-AF65-F5344CB8AC3E}">
+        <p14:creationId xmlns:p14="http://schemas.microsoft.com/office/powerpoint/2010/main" val="4280399063"/>
+      </p:ext>
+    </p:extLst>
+  </p:cSld>
+  <p:clrMapOvr>
+    <a:masterClrMapping/>
+  </p:clrMapOvr>
+</p:sld>
+</file>
+
+<file path=ppt/slides/slide20.xml><?xml version="1.0" encoding="utf-8"?>
+<p:sld xmlns:a="http://schemas.openxmlformats.org/drawingml/2006/main" xmlns:r="http://schemas.openxmlformats.org/officeDocument/2006/relationships" xmlns:p="http://schemas.openxmlformats.org/presentationml/2006/main">
+  <p:cSld>
+    <p:spTree>
+      <p:nvGrpSpPr>
+        <p:cNvPr id="1" name=""/>
+        <p:cNvGrpSpPr/>
+        <p:nvPr/>
+      </p:nvGrpSpPr>
+      <p:grpSpPr>
+        <a:xfrm>
+          <a:off x="0" y="0"/>
+          <a:ext cx="0" cy="0"/>
+          <a:chOff x="0" y="0"/>
+          <a:chExt cx="0" cy="0"/>
+        </a:xfrm>
+      </p:grpSpPr>
+      <p:sp>
+        <p:nvSpPr>
+          <p:cNvPr id="2" name="Title 1">
+            <a:extLst>
+              <a:ext uri="{FF2B5EF4-FFF2-40B4-BE49-F238E27FC236}">
                 <a16:creationId xmlns:a16="http://schemas.microsoft.com/office/drawing/2014/main" id="{06C5A175-6E56-674F-9574-B1D1065B2BC7}"/>
               </a:ext>
             </a:extLst>
@@ -5123,7 +5893,7 @@
 </p:sld>
 </file>
 
-<file path=ppt/slides/slide19.xml><?xml version="1.0" encoding="utf-8"?>
+<file path=ppt/slides/slide21.xml><?xml version="1.0" encoding="utf-8"?>
 <p:sld xmlns:a="http://schemas.openxmlformats.org/drawingml/2006/main" xmlns:r="http://schemas.openxmlformats.org/officeDocument/2006/relationships" xmlns:p="http://schemas.openxmlformats.org/presentationml/2006/main">
   <p:cSld>
     <p:spTree>
@@ -5643,150 +6413,6 @@
 </p:sld>
 </file>
 
-<file path=ppt/slides/slide2.xml><?xml version="1.0" encoding="utf-8"?>
-<p:sld xmlns:a="http://schemas.openxmlformats.org/drawingml/2006/main" xmlns:r="http://schemas.openxmlformats.org/officeDocument/2006/relationships" xmlns:p="http://schemas.openxmlformats.org/presentationml/2006/main">
-  <p:cSld>
-    <p:spTree>
-      <p:nvGrpSpPr>
-        <p:cNvPr id="1" name=""/>
-        <p:cNvGrpSpPr/>
-        <p:nvPr/>
-      </p:nvGrpSpPr>
-      <p:grpSpPr>
-        <a:xfrm>
-          <a:off x="0" y="0"/>
-          <a:ext cx="0" cy="0"/>
-          <a:chOff x="0" y="0"/>
-          <a:chExt cx="0" cy="0"/>
-        </a:xfrm>
-      </p:grpSpPr>
-      <p:sp>
-        <p:nvSpPr>
-          <p:cNvPr id="2" name="Title 1">
-            <a:extLst>
-              <a:ext uri="{FF2B5EF4-FFF2-40B4-BE49-F238E27FC236}">
-                <a16:creationId xmlns:a16="http://schemas.microsoft.com/office/drawing/2014/main" id="{DC39A669-2457-AA4B-90D4-2A983166A563}"/>
-              </a:ext>
-            </a:extLst>
-          </p:cNvPr>
-          <p:cNvSpPr>
-            <a:spLocks noGrp="1"/>
-          </p:cNvSpPr>
-          <p:nvPr>
-            <p:ph type="title"/>
-          </p:nvPr>
-        </p:nvSpPr>
-        <p:spPr/>
-        <p:txBody>
-          <a:bodyPr/>
-          <a:lstStyle/>
-          <a:p>
-            <a:endParaRPr lang="en-US"/>
-          </a:p>
-        </p:txBody>
-      </p:sp>
-      <p:sp>
-        <p:nvSpPr>
-          <p:cNvPr id="3" name="Content Placeholder 2">
-            <a:extLst>
-              <a:ext uri="{FF2B5EF4-FFF2-40B4-BE49-F238E27FC236}">
-                <a16:creationId xmlns:a16="http://schemas.microsoft.com/office/drawing/2014/main" id="{C0CE346D-6DEC-E642-80CC-C968A2EBBF00}"/>
-              </a:ext>
-            </a:extLst>
-          </p:cNvPr>
-          <p:cNvSpPr>
-            <a:spLocks noGrp="1"/>
-          </p:cNvSpPr>
-          <p:nvPr>
-            <p:ph idx="1"/>
-          </p:nvPr>
-        </p:nvSpPr>
-        <p:spPr/>
-        <p:txBody>
-          <a:bodyPr>
-            <a:normAutofit fontScale="85000" lnSpcReduction="20000"/>
-          </a:bodyPr>
-          <a:lstStyle/>
-          <a:p>
-            <a:r>
-              <a:rPr lang="en-US"/>
-              <a:t>Inequality persists over generations. It can be surprisingly persistent over time (Clark and Simmons 2015; Solon 2018).</a:t>
-            </a:r>
-          </a:p>
-          <a:p>
-            <a:r>
-              <a:rPr lang="en-US"/>
-              <a:t>Families are part of the mechanism, since wealth, human capital and other traits are passed from parents to children.</a:t>
-            </a:r>
-          </a:p>
-          <a:p>
-            <a:r>
-              <a:rPr lang="en-US"/>
-              <a:t>Inherited human genetics help to explain inequality:</a:t>
-            </a:r>
-          </a:p>
-          <a:p>
-            <a:pPr marL="457200" indent="-457200">
-              <a:buFont typeface="Arial" panose="020B0604020202020204" pitchFamily="34" charset="0"/>
-              <a:buChar char="•"/>
-            </a:pPr>
-            <a:r>
-              <a:rPr lang="en-US"/>
-              <a:t>Heritability of occupational class and educational attainment is about 50% (Tambs et al. 1989).</a:t>
-            </a:r>
-          </a:p>
-          <a:p>
-            <a:pPr marL="457200" indent="-457200">
-              <a:buFont typeface="Arial" panose="020B0604020202020204" pitchFamily="34" charset="0"/>
-              <a:buChar char="•"/>
-            </a:pPr>
-            <a:r>
-              <a:rPr lang="en-US"/>
-              <a:t>2-year-old children’s family socio-economic status can be predicted from their genes (Trzaskowski et al. 2014).</a:t>
-            </a:r>
-          </a:p>
-          <a:p>
-            <a:pPr marL="457200" indent="-457200">
-              <a:buFont typeface="Arial" panose="020B0604020202020204" pitchFamily="34" charset="0"/>
-              <a:buChar char="•"/>
-            </a:pPr>
-            <a:r>
-              <a:rPr lang="en-US"/>
-              <a:t>Polygenic scores for educational attainment predict occupational class (Rimfeld et al. 2018).</a:t>
-            </a:r>
-          </a:p>
-          <a:p>
-            <a:r>
-              <a:rPr lang="en-US"/>
-              <a:t>The leading explanation for this </a:t>
-            </a:r>
-            <a:r>
-              <a:rPr lang="en-US" b="1"/>
-              <a:t>gene-status gradient </a:t>
-            </a:r>
-            <a:r>
-              <a:rPr lang="en-US"/>
-              <a:t>is meritocracy. “Good genes” lead to upward mobility.</a:t>
-            </a:r>
-          </a:p>
-          <a:p>
-            <a:endParaRPr lang="en-US"/>
-          </a:p>
-        </p:txBody>
-      </p:sp>
-    </p:spTree>
-    <p:extLst>
-      <p:ext uri="{BB962C8B-B14F-4D97-AF65-F5344CB8AC3E}">
-        <p14:creationId xmlns:p14="http://schemas.microsoft.com/office/powerpoint/2010/main" val="916761215"/>
-      </p:ext>
-    </p:extLst>
-  </p:cSld>
-  <p:clrMapOvr>
-    <a:masterClrMapping/>
-  </p:clrMapOvr>
-</p:sld>
-</file>
-
 <file path=ppt/slides/slide3.xml><?xml version="1.0" encoding="utf-8"?>
 <p:sld xmlns:a="http://schemas.openxmlformats.org/drawingml/2006/main" xmlns:r="http://schemas.openxmlformats.org/officeDocument/2006/relationships" xmlns:p="http://schemas.openxmlformats.org/presentationml/2006/main">
   <p:cSld>
@@ -5809,6 +6435,150 @@
           <p:cNvPr id="2" name="Title 1">
             <a:extLst>
               <a:ext uri="{FF2B5EF4-FFF2-40B4-BE49-F238E27FC236}">
+                <a16:creationId xmlns:a16="http://schemas.microsoft.com/office/drawing/2014/main" id="{DC39A669-2457-AA4B-90D4-2A983166A563}"/>
+              </a:ext>
+            </a:extLst>
+          </p:cNvPr>
+          <p:cNvSpPr>
+            <a:spLocks noGrp="1"/>
+          </p:cNvSpPr>
+          <p:nvPr>
+            <p:ph type="title"/>
+          </p:nvPr>
+        </p:nvSpPr>
+        <p:spPr/>
+        <p:txBody>
+          <a:bodyPr/>
+          <a:lstStyle/>
+          <a:p>
+            <a:endParaRPr lang="en-US"/>
+          </a:p>
+        </p:txBody>
+      </p:sp>
+      <p:sp>
+        <p:nvSpPr>
+          <p:cNvPr id="3" name="Content Placeholder 2">
+            <a:extLst>
+              <a:ext uri="{FF2B5EF4-FFF2-40B4-BE49-F238E27FC236}">
+                <a16:creationId xmlns:a16="http://schemas.microsoft.com/office/drawing/2014/main" id="{C0CE346D-6DEC-E642-80CC-C968A2EBBF00}"/>
+              </a:ext>
+            </a:extLst>
+          </p:cNvPr>
+          <p:cNvSpPr>
+            <a:spLocks noGrp="1"/>
+          </p:cNvSpPr>
+          <p:nvPr>
+            <p:ph idx="1"/>
+          </p:nvPr>
+        </p:nvSpPr>
+        <p:spPr/>
+        <p:txBody>
+          <a:bodyPr>
+            <a:normAutofit fontScale="85000" lnSpcReduction="20000"/>
+          </a:bodyPr>
+          <a:lstStyle/>
+          <a:p>
+            <a:r>
+              <a:rPr lang="en-US"/>
+              <a:t>Inequality persists over generations. It can be surprisingly persistent over time (Clark and Simmons 2015; Solon 2018).</a:t>
+            </a:r>
+          </a:p>
+          <a:p>
+            <a:r>
+              <a:rPr lang="en-US"/>
+              <a:t>Families are part of the mechanism, since wealth, human capital and other traits are passed from parents to children.</a:t>
+            </a:r>
+          </a:p>
+          <a:p>
+            <a:r>
+              <a:rPr lang="en-US"/>
+              <a:t>Inherited human genetics help to explain inequality:</a:t>
+            </a:r>
+          </a:p>
+          <a:p>
+            <a:pPr marL="457200" indent="-457200">
+              <a:buFont typeface="Arial" panose="020B0604020202020204" pitchFamily="34" charset="0"/>
+              <a:buChar char="•"/>
+            </a:pPr>
+            <a:r>
+              <a:rPr lang="en-US"/>
+              <a:t>Heritability of occupational class and educational attainment is about 50% (Tambs et al. 1989).</a:t>
+            </a:r>
+          </a:p>
+          <a:p>
+            <a:pPr marL="457200" indent="-457200">
+              <a:buFont typeface="Arial" panose="020B0604020202020204" pitchFamily="34" charset="0"/>
+              <a:buChar char="•"/>
+            </a:pPr>
+            <a:r>
+              <a:rPr lang="en-US"/>
+              <a:t>2-year-old children’s family socio-economic status can be predicted from their genes (Trzaskowski et al. 2014).</a:t>
+            </a:r>
+          </a:p>
+          <a:p>
+            <a:pPr marL="457200" indent="-457200">
+              <a:buFont typeface="Arial" panose="020B0604020202020204" pitchFamily="34" charset="0"/>
+              <a:buChar char="•"/>
+            </a:pPr>
+            <a:r>
+              <a:rPr lang="en-US"/>
+              <a:t>Polygenic scores for educational attainment predict occupational class (Rimfeld et al. 2018).</a:t>
+            </a:r>
+          </a:p>
+          <a:p>
+            <a:r>
+              <a:rPr lang="en-US"/>
+              <a:t>The leading explanation for this </a:t>
+            </a:r>
+            <a:r>
+              <a:rPr lang="en-US" b="1"/>
+              <a:t>gene-status gradient </a:t>
+            </a:r>
+            <a:r>
+              <a:rPr lang="en-US"/>
+              <a:t>is meritocracy. “Good genes” lead to upward mobility.</a:t>
+            </a:r>
+          </a:p>
+          <a:p>
+            <a:endParaRPr lang="en-US"/>
+          </a:p>
+        </p:txBody>
+      </p:sp>
+    </p:spTree>
+    <p:extLst>
+      <p:ext uri="{BB962C8B-B14F-4D97-AF65-F5344CB8AC3E}">
+        <p14:creationId xmlns:p14="http://schemas.microsoft.com/office/powerpoint/2010/main" val="916761215"/>
+      </p:ext>
+    </p:extLst>
+  </p:cSld>
+  <p:clrMapOvr>
+    <a:masterClrMapping/>
+  </p:clrMapOvr>
+</p:sld>
+</file>
+
+<file path=ppt/slides/slide4.xml><?xml version="1.0" encoding="utf-8"?>
+<p:sld xmlns:a="http://schemas.openxmlformats.org/drawingml/2006/main" xmlns:r="http://schemas.openxmlformats.org/officeDocument/2006/relationships" xmlns:p="http://schemas.openxmlformats.org/presentationml/2006/main">
+  <p:cSld>
+    <p:spTree>
+      <p:nvGrpSpPr>
+        <p:cNvPr id="1" name=""/>
+        <p:cNvGrpSpPr/>
+        <p:nvPr/>
+      </p:nvGrpSpPr>
+      <p:grpSpPr>
+        <a:xfrm>
+          <a:off x="0" y="0"/>
+          <a:ext cx="0" cy="0"/>
+          <a:chOff x="0" y="0"/>
+          <a:chExt cx="0" cy="0"/>
+        </a:xfrm>
+      </p:grpSpPr>
+      <p:sp>
+        <p:nvSpPr>
+          <p:cNvPr id="2" name="Title 1">
+            <a:extLst>
+              <a:ext uri="{FF2B5EF4-FFF2-40B4-BE49-F238E27FC236}">
                 <a16:creationId xmlns:a16="http://schemas.microsoft.com/office/drawing/2014/main" id="{6BF664EC-2638-B641-A1CE-9D2987344785}"/>
               </a:ext>
             </a:extLst>
@@ -5916,7 +6686,7 @@
 </p:sld>
 </file>
 
-<file path=ppt/slides/slide4.xml><?xml version="1.0" encoding="utf-8"?>
+<file path=ppt/slides/slide5.xml><?xml version="1.0" encoding="utf-8"?>
 <p:sld xmlns:a="http://schemas.openxmlformats.org/drawingml/2006/main" xmlns:r="http://schemas.openxmlformats.org/officeDocument/2006/relationships" xmlns:p="http://schemas.openxmlformats.org/presentationml/2006/main">
   <p:cSld>
     <p:spTree>
@@ -6029,7 +6799,7 @@
 </p:sld>
 </file>
 
-<file path=ppt/slides/slide5.xml><?xml version="1.0" encoding="utf-8"?>
+<file path=ppt/slides/slide6.xml><?xml version="1.0" encoding="utf-8"?>
 <p:sld xmlns:a="http://schemas.openxmlformats.org/drawingml/2006/main" xmlns:r="http://schemas.openxmlformats.org/officeDocument/2006/relationships" xmlns:p="http://schemas.openxmlformats.org/presentationml/2006/main">
   <p:cSld>
     <p:spTree>
@@ -6179,7 +6949,7 @@
 </p:sld>
 </file>
 
-<file path=ppt/slides/slide6.xml><?xml version="1.0" encoding="utf-8"?>
+<file path=ppt/slides/slide7.xml><?xml version="1.0" encoding="utf-8"?>
 <p:sld xmlns:a="http://schemas.openxmlformats.org/drawingml/2006/main" xmlns:r="http://schemas.openxmlformats.org/officeDocument/2006/relationships" xmlns:p="http://schemas.openxmlformats.org/presentationml/2006/main">
   <p:cSld>
     <p:spTree>
@@ -6321,7 +7091,7 @@
 </p:sld>
 </file>
 
-<file path=ppt/slides/slide7.xml><?xml version="1.0" encoding="utf-8"?>
+<file path=ppt/slides/slide8.xml><?xml version="1.0" encoding="utf-8"?>
 <p:sld xmlns:a="http://schemas.openxmlformats.org/drawingml/2006/main" xmlns:r="http://schemas.openxmlformats.org/officeDocument/2006/relationships" xmlns:p="http://schemas.openxmlformats.org/presentationml/2006/main">
   <p:cSld>
     <p:spTree>
@@ -6431,7 +7201,7 @@
 </p:sld>
 </file>
 
-<file path=ppt/slides/slide8.xml><?xml version="1.0" encoding="utf-8"?>
+<file path=ppt/slides/slide9.xml><?xml version="1.0" encoding="utf-8"?>
 <p:sld xmlns:a="http://schemas.openxmlformats.org/drawingml/2006/main" xmlns:r="http://schemas.openxmlformats.org/officeDocument/2006/relationships" xmlns:p="http://schemas.openxmlformats.org/presentationml/2006/main">
   <p:cSld>
     <p:spTree>
@@ -6532,185 +7302,6 @@
     <p:extLst>
       <p:ext uri="{BB962C8B-B14F-4D97-AF65-F5344CB8AC3E}">
         <p14:creationId xmlns:p14="http://schemas.microsoft.com/office/powerpoint/2010/main" val="1167187449"/>
-      </p:ext>
-    </p:extLst>
-  </p:cSld>
-  <p:clrMapOvr>
-    <a:masterClrMapping/>
-  </p:clrMapOvr>
-</p:sld>
-</file>
-
-<file path=ppt/slides/slide9.xml><?xml version="1.0" encoding="utf-8"?>
-<p:sld xmlns:a="http://schemas.openxmlformats.org/drawingml/2006/main" xmlns:r="http://schemas.openxmlformats.org/officeDocument/2006/relationships" xmlns:p="http://schemas.openxmlformats.org/presentationml/2006/main">
-  <p:cSld>
-    <p:spTree>
-      <p:nvGrpSpPr>
-        <p:cNvPr id="1" name=""/>
-        <p:cNvGrpSpPr/>
-        <p:nvPr/>
-      </p:nvGrpSpPr>
-      <p:grpSpPr>
-        <a:xfrm>
-          <a:off x="0" y="0"/>
-          <a:ext cx="0" cy="0"/>
-          <a:chOff x="0" y="0"/>
-          <a:chExt cx="0" cy="0"/>
-        </a:xfrm>
-      </p:grpSpPr>
-      <p:sp>
-        <p:nvSpPr>
-          <p:cNvPr id="3" name="Content Placeholder 2">
-            <a:extLst>
-              <a:ext uri="{FF2B5EF4-FFF2-40B4-BE49-F238E27FC236}">
-                <a16:creationId xmlns:a16="http://schemas.microsoft.com/office/drawing/2014/main" id="{84BDF347-8AB4-CD43-82C3-FD14B2D10AA8}"/>
-              </a:ext>
-            </a:extLst>
-          </p:cNvPr>
-          <p:cNvSpPr>
-            <a:spLocks noGrp="1"/>
-          </p:cNvSpPr>
-          <p:nvPr>
-            <p:ph idx="1"/>
-          </p:nvPr>
-        </p:nvSpPr>
-        <p:spPr>
-          <a:xfrm>
-            <a:off x="838200" y="642551"/>
-            <a:ext cx="10515600" cy="5534412"/>
-          </a:xfrm>
-        </p:spPr>
-        <p:txBody>
-          <a:bodyPr>
-            <a:normAutofit fontScale="92500" lnSpcReduction="20000"/>
-          </a:bodyPr>
-          <a:lstStyle/>
-          <a:p>
-            <a:r>
-              <a:rPr lang="en-US"/>
-              <a:t>These results could be </a:t>
-            </a:r>
-            <a:r>
-              <a:rPr lang="en-US" b="1"/>
-              <a:t>confounded</a:t>
-            </a:r>
-            <a:r>
-              <a:rPr lang="en-US"/>
-              <a:t> by the individual’s own genetics.</a:t>
-            </a:r>
-          </a:p>
-          <a:p>
-            <a:pPr marL="457200" indent="-457200">
-              <a:buFont typeface="Arial" panose="020B0604020202020204" pitchFamily="34" charset="0"/>
-              <a:buChar char="•"/>
-            </a:pPr>
-            <a:r>
-              <a:rPr lang="en-US"/>
-              <a:t>We already know that there is assortative mating on PSEA (Hugh-Jones et al. 2016).</a:t>
-            </a:r>
-          </a:p>
-          <a:p>
-            <a:pPr marL="457200" indent="-457200">
-              <a:buFont typeface="Arial" panose="020B0604020202020204" pitchFamily="34" charset="0"/>
-              <a:buChar char="•"/>
-            </a:pPr>
-            <a:endParaRPr lang="en-US"/>
-          </a:p>
-          <a:p>
-            <a:r>
-              <a:rPr lang="en-US"/>
-              <a:t>To avoid this, we need an independent variable which is</a:t>
-            </a:r>
-          </a:p>
-          <a:p>
-            <a:pPr marL="457200" indent="-457200">
-              <a:buFont typeface="Arial" panose="020B0604020202020204" pitchFamily="34" charset="0"/>
-              <a:buChar char="•"/>
-            </a:pPr>
-            <a:r>
-              <a:rPr lang="en-US"/>
-              <a:t>independent of genetics;</a:t>
-            </a:r>
-          </a:p>
-          <a:p>
-            <a:pPr marL="457200" indent="-457200">
-              <a:buFont typeface="Arial" panose="020B0604020202020204" pitchFamily="34" charset="0"/>
-              <a:buChar char="•"/>
-            </a:pPr>
-            <a:r>
-              <a:rPr lang="en-US"/>
-              <a:t>available for a large enough N.</a:t>
-            </a:r>
-          </a:p>
-          <a:p>
-            <a:pPr marL="457200" indent="-457200">
-              <a:buFont typeface="Arial" panose="020B0604020202020204" pitchFamily="34" charset="0"/>
-              <a:buChar char="•"/>
-            </a:pPr>
-            <a:endParaRPr lang="en-US"/>
-          </a:p>
-          <a:p>
-            <a:r>
-              <a:rPr lang="en-US"/>
-              <a:t>We use</a:t>
-            </a:r>
-            <a:r>
-              <a:rPr lang="en-US" b="1"/>
-              <a:t> birth order</a:t>
-            </a:r>
-            <a:r>
-              <a:rPr lang="en-US"/>
-              <a:t>.</a:t>
-            </a:r>
-          </a:p>
-          <a:p>
-            <a:pPr marL="457200" indent="-457200">
-              <a:buFont typeface="Arial" panose="020B0604020202020204" pitchFamily="34" charset="0"/>
-              <a:buChar char="•"/>
-            </a:pPr>
-            <a:r>
-              <a:rPr lang="en-US"/>
-              <a:t>Siblings have the same expected polygenic scores, by the “lottery of meiosis”. </a:t>
-            </a:r>
-          </a:p>
-          <a:p>
-            <a:pPr marL="457200" indent="-457200">
-              <a:buFont typeface="Arial" panose="020B0604020202020204" pitchFamily="34" charset="0"/>
-              <a:buChar char="•"/>
-            </a:pPr>
-            <a:r>
-              <a:rPr lang="en-US"/>
-              <a:t>Early-born siblings receive more parental care and have better life outcomes including </a:t>
-            </a:r>
-            <a:r>
-              <a:rPr lang="en-US" b="1"/>
-              <a:t>socio-economic status</a:t>
-            </a:r>
-            <a:r>
-              <a:rPr lang="en-US"/>
-              <a:t> (</a:t>
-            </a:r>
-            <a:r>
-              <a:rPr lang="en-US" b="1"/>
-              <a:t>SES</a:t>
-            </a:r>
-            <a:r>
-              <a:rPr lang="en-GB"/>
-              <a:t>: Lindahl 2008; Booth and Kee 2009; Black, Devereux, and Salvanes 2011). </a:t>
-            </a:r>
-          </a:p>
-          <a:p>
-            <a:endParaRPr lang="en-US"/>
-          </a:p>
-          <a:p>
-            <a:endParaRPr lang="en-US"/>
-          </a:p>
-        </p:txBody>
-      </p:sp>
-    </p:spTree>
-    <p:extLst>
-      <p:ext uri="{BB962C8B-B14F-4D97-AF65-F5344CB8AC3E}">
-        <p14:creationId xmlns:p14="http://schemas.microsoft.com/office/powerpoint/2010/main" val="1577209623"/>
       </p:ext>
     </p:extLst>
   </p:cSld>
